--- a/mkdocs/docs/images/src/progressive.pptx
+++ b/mkdocs/docs/images/src/progressive.pptx
@@ -197,7 +197,7 @@
           <a:p>
             <a:fld id="{38B78CBE-37FA-D241-BB4C-CAC5D3B25F49}" type="datetimeFigureOut">
               <a:rPr lang="en-US" smtClean="0"/>
-              <a:t>4/28/21</a:t>
+              <a:t>6/16/21</a:t>
             </a:fld>
             <a:endParaRPr lang="en-US"/>
           </a:p>
@@ -611,7 +611,7 @@
           <a:p>
             <a:fld id="{708812C5-0212-FD42-A0D4-E2E8FF4E3AF5}" type="datetime1">
               <a:rPr lang="en-US" smtClean="0"/>
-              <a:t>4/28/21</a:t>
+              <a:t>6/16/21</a:t>
             </a:fld>
             <a:endParaRPr lang="en-US"/>
           </a:p>
@@ -812,7 +812,7 @@
           <a:p>
             <a:fld id="{D232AC6F-41C3-B34B-9BAA-03ED2F3BC0F6}" type="datetime1">
               <a:rPr lang="en-US" smtClean="0"/>
-              <a:t>4/28/21</a:t>
+              <a:t>6/16/21</a:t>
             </a:fld>
             <a:endParaRPr lang="en-US"/>
           </a:p>
@@ -1023,7 +1023,7 @@
           <a:p>
             <a:fld id="{BEE140C2-F440-9D49-95CB-5965D64CC4A2}" type="datetime1">
               <a:rPr lang="en-US" smtClean="0"/>
-              <a:t>4/28/21</a:t>
+              <a:t>6/16/21</a:t>
             </a:fld>
             <a:endParaRPr lang="en-US"/>
           </a:p>
@@ -1224,7 +1224,7 @@
           <a:p>
             <a:fld id="{CC99F980-FB29-FD47-8508-150F73F1E8B0}" type="datetime1">
               <a:rPr lang="en-US" smtClean="0"/>
-              <a:t>4/28/21</a:t>
+              <a:t>6/16/21</a:t>
             </a:fld>
             <a:endParaRPr lang="en-US"/>
           </a:p>
@@ -1502,7 +1502,7 @@
           <a:p>
             <a:fld id="{D4510983-EA22-9643-8AC0-B3C6499B643B}" type="datetime1">
               <a:rPr lang="en-US" smtClean="0"/>
-              <a:t>4/28/21</a:t>
+              <a:t>6/16/21</a:t>
             </a:fld>
             <a:endParaRPr lang="en-US"/>
           </a:p>
@@ -1770,7 +1770,7 @@
           <a:p>
             <a:fld id="{D5A39195-967D-5D4E-8C6A-C99866996458}" type="datetime1">
               <a:rPr lang="en-US" smtClean="0"/>
-              <a:t>4/28/21</a:t>
+              <a:t>6/16/21</a:t>
             </a:fld>
             <a:endParaRPr lang="en-US"/>
           </a:p>
@@ -2185,7 +2185,7 @@
           <a:p>
             <a:fld id="{5AD771E9-C79D-684D-A158-5EB6E92DE947}" type="datetime1">
               <a:rPr lang="en-US" smtClean="0"/>
-              <a:t>4/28/21</a:t>
+              <a:t>6/16/21</a:t>
             </a:fld>
             <a:endParaRPr lang="en-US"/>
           </a:p>
@@ -2329,7 +2329,7 @@
           <a:p>
             <a:fld id="{693CA161-7E4C-5C4B-B799-DB602A0B9806}" type="datetime1">
               <a:rPr lang="en-US" smtClean="0"/>
-              <a:t>4/28/21</a:t>
+              <a:t>6/16/21</a:t>
             </a:fld>
             <a:endParaRPr lang="en-US"/>
           </a:p>
@@ -2445,7 +2445,7 @@
           <a:p>
             <a:fld id="{6D55FDF3-8BB2-6349-A5FA-057F3D78953D}" type="datetime1">
               <a:rPr lang="en-US" smtClean="0"/>
-              <a:t>4/28/21</a:t>
+              <a:t>6/16/21</a:t>
             </a:fld>
             <a:endParaRPr lang="en-US"/>
           </a:p>
@@ -2759,7 +2759,7 @@
           <a:p>
             <a:fld id="{EEDFACC0-3228-BA4B-942E-CEF38B0101FD}" type="datetime1">
               <a:rPr lang="en-US" smtClean="0"/>
-              <a:t>4/28/21</a:t>
+              <a:t>6/16/21</a:t>
             </a:fld>
             <a:endParaRPr lang="en-US"/>
           </a:p>
@@ -3050,7 +3050,7 @@
           <a:p>
             <a:fld id="{07EEEDBE-E24C-D140-B419-6D8D592D0F1C}" type="datetime1">
               <a:rPr lang="en-US" smtClean="0"/>
-              <a:t>4/28/21</a:t>
+              <a:t>6/16/21</a:t>
             </a:fld>
             <a:endParaRPr lang="en-US"/>
           </a:p>
@@ -3294,7 +3294,7 @@
           <a:p>
             <a:fld id="{E05781A2-A5EF-C54C-A3EF-F62483D37EDC}" type="datetime1">
               <a:rPr lang="en-US" smtClean="0"/>
-              <a:t>4/28/21</a:t>
+              <a:t>6/16/21</a:t>
             </a:fld>
             <a:endParaRPr lang="en-US"/>
           </a:p>
@@ -3729,8 +3729,8 @@
         </p:nvSpPr>
         <p:spPr>
           <a:xfrm>
-            <a:off x="162689" y="1389528"/>
-            <a:ext cx="11866622" cy="4518745"/>
+            <a:off x="162689" y="1466858"/>
+            <a:ext cx="11866622" cy="4441415"/>
           </a:xfrm>
           <a:prstGeom prst="rect">
             <a:avLst/>
@@ -4279,7 +4279,7 @@
                   <a:schemeClr val="bg1"/>
                 </a:solidFill>
               </a:rPr>
-              <a:t>v1.0</a:t>
+              <a:t>v1</a:t>
             </a:r>
           </a:p>
         </p:txBody>
@@ -4344,7 +4344,7 @@
                   <a:schemeClr val="bg1"/>
                 </a:solidFill>
               </a:rPr>
-              <a:t>v2.0</a:t>
+              <a:t>v2</a:t>
             </a:r>
           </a:p>
         </p:txBody>
@@ -5094,7 +5094,7 @@
                   <a:schemeClr val="bg1"/>
                 </a:solidFill>
               </a:rPr>
-              <a:t>v1.0</a:t>
+              <a:t>v1</a:t>
             </a:r>
           </a:p>
         </p:txBody>
@@ -5159,7 +5159,7 @@
                   <a:schemeClr val="bg1"/>
                 </a:solidFill>
               </a:rPr>
-              <a:t>v2.0</a:t>
+              <a:t>v2</a:t>
             </a:r>
           </a:p>
         </p:txBody>
@@ -5669,7 +5669,7 @@
                   <a:schemeClr val="bg1"/>
                 </a:solidFill>
               </a:rPr>
-              <a:t>v1.0</a:t>
+              <a:t>v1</a:t>
             </a:r>
           </a:p>
         </p:txBody>
@@ -5734,7 +5734,7 @@
                   <a:schemeClr val="bg1"/>
                 </a:solidFill>
               </a:rPr>
-              <a:t>v2.0</a:t>
+              <a:t>v2</a:t>
             </a:r>
           </a:p>
         </p:txBody>
@@ -6085,7 +6085,7 @@
                   <a:schemeClr val="bg1"/>
                 </a:solidFill>
               </a:rPr>
-              <a:t>v2.0</a:t>
+              <a:t>v2</a:t>
             </a:r>
           </a:p>
         </p:txBody>
